--- a/Day 1/Slides/5. Sounding the Alarm with IAM/sounding-the-alarm-with-iam-slides.pptx
+++ b/Day 1/Slides/5. Sounding the Alarm with IAM/sounding-the-alarm-with-iam-slides.pptx
@@ -13366,14 +13366,15 @@
         </p:nvPicPr>
         <p:blipFill>
           <a:blip r:embed="rId1"/>
+          <a:srcRect t="6974"/>
           <a:stretch>
             <a:fillRect/>
           </a:stretch>
         </p:blipFill>
         <p:spPr>
           <a:xfrm>
-            <a:off x="1041400" y="1295400"/>
-            <a:ext cx="13950950" cy="6255385"/>
+            <a:off x="1041400" y="1731645"/>
+            <a:ext cx="13950950" cy="5819140"/>
           </a:xfrm>
           <a:prstGeom prst="rect">
             <a:avLst/>
